--- a/Presentations/2025_Summit/2025_Oct_27_Summit_Standards_Friend.pptx
+++ b/Presentations/2025_Summit/2025_Oct_27_Summit_Standards_Friend.pptx
@@ -3247,7 +3247,7 @@
           <a:p>
             <a:fld id="{8028D1E4-4BBA-6F41-9D9B-7C498DFA1119}" type="datetimeFigureOut">
               <a:rPr lang="en-US" smtClean="0"/>
-              <a:t>10/19/2025</a:t>
+              <a:t>10/22/2025</a:t>
             </a:fld>
             <a:endParaRPr lang="en-US"/>
           </a:p>
@@ -3424,7 +3424,7 @@
           <a:p>
             <a:fld id="{761ABE01-8AD2-744F-9651-CCC9DC857332}" type="datetimeFigureOut">
               <a:rPr lang="en-US" smtClean="0"/>
-              <a:t>10/19/2025</a:t>
+              <a:t>10/22/2025</a:t>
             </a:fld>
             <a:endParaRPr lang="en-US"/>
           </a:p>
@@ -5450,7 +5450,7 @@
             <a:fld id="{1D8BD707-D9CF-40AE-B4C6-C98DA3205C09}" type="datetimeFigureOut">
               <a:rPr lang="en-US" smtClean="0"/>
               <a:pPr/>
-              <a:t>10/19/2025</a:t>
+              <a:t>10/22/2025</a:t>
             </a:fld>
             <a:endParaRPr lang="en-US" dirty="0"/>
           </a:p>
@@ -6154,7 +6154,7 @@
         <p:spPr>
           <a:xfrm>
             <a:off x="838200" y="1866900"/>
-            <a:ext cx="16598236" cy="7309047"/>
+            <a:ext cx="7924800" cy="7309047"/>
           </a:xfrm>
         </p:spPr>
         <p:txBody>
@@ -6165,99 +6165,84 @@
               <a:buNone/>
             </a:pPr>
             <a:r>
-              <a:rPr lang="en-US" dirty="0"/>
-              <a:t>5. </a:t>
+              <a:rPr lang="en-US" dirty="0">
+                <a:latin typeface="+mj-lt"/>
+              </a:rPr>
+              <a:t>OGC </a:t>
             </a:r>
             <a:r>
-              <a:rPr lang="en-US" dirty="0" err="1"/>
+              <a:rPr lang="en-US" dirty="0" err="1">
+                <a:latin typeface="+mj-lt"/>
+              </a:rPr>
               <a:t>GeoPose</a:t>
             </a:r>
             <a:r>
-              <a:rPr lang="en-US" dirty="0"/>
-              <a:t> to Meet Geospatial Requirements in Other Standards</a:t>
+              <a:rPr lang="en-US" dirty="0">
+                <a:latin typeface="+mj-lt"/>
+              </a:rPr>
+              <a:t> is built from modular components that can be used independently or combined to create complete representations of position and orientation. </a:t>
             </a:r>
           </a:p>
           <a:p>
             <a:pPr marL="0" indent="0">
               <a:buNone/>
             </a:pPr>
+            <a:endParaRPr lang="en-US" dirty="0">
+              <a:latin typeface="+mj-lt"/>
+            </a:endParaRPr>
+          </a:p>
+          <a:p>
+            <a:pPr marL="0" indent="0">
+              <a:buNone/>
+            </a:pPr>
             <a:r>
-              <a:rPr lang="en-US" dirty="0"/>
-              <a:t>Time: 12:00 – 1:00</a:t>
+              <a:rPr lang="en-US" dirty="0">
+                <a:latin typeface="+mj-lt"/>
+              </a:rPr>
+              <a:t>This flexible design allows </a:t>
+            </a:r>
+            <a:r>
+              <a:rPr lang="en-US" dirty="0" err="1">
+                <a:latin typeface="+mj-lt"/>
+              </a:rPr>
+              <a:t>GeoPose</a:t>
+            </a:r>
+            <a:r>
+              <a:rPr lang="en-US" dirty="0">
+                <a:latin typeface="+mj-lt"/>
+              </a:rPr>
+              <a:t> to integrate seamlessly with other standards, making it a powerful tool for bridging systems and ensuring interoperability across diverse spatial applications. </a:t>
             </a:r>
           </a:p>
           <a:p>
             <a:pPr marL="0" indent="0">
               <a:buNone/>
             </a:pPr>
-            <a:r>
-              <a:rPr lang="en-US" dirty="0"/>
-              <a:t>Description: </a:t>
-            </a:r>
-            <a:r>
-              <a:rPr lang="en-US" dirty="0" err="1"/>
-              <a:t>GeoPose</a:t>
-            </a:r>
-            <a:r>
-              <a:rPr lang="en-US" dirty="0"/>
-              <a:t> is built from modular components that can be used independently or combined to create complete representations of position and orientation. This flexible design allows </a:t>
-            </a:r>
-            <a:r>
-              <a:rPr lang="en-US" dirty="0" err="1"/>
-              <a:t>GeoPose</a:t>
-            </a:r>
-            <a:r>
-              <a:rPr lang="en-US" dirty="0"/>
-              <a:t> to integrate seamlessly with other standards, making it a powerful tool for bridging systems and ensuring interoperability across diverse spatial applications. By referencing </a:t>
-            </a:r>
-            <a:r>
-              <a:rPr lang="en-US" dirty="0" err="1"/>
-              <a:t>GeoPose</a:t>
-            </a:r>
-            <a:r>
-              <a:rPr lang="en-US" dirty="0"/>
-              <a:t> in a normative manner, other standards benefit from the well-defined framework of components.</a:t>
-            </a:r>
+            <a:endParaRPr lang="en-US" dirty="0">
+              <a:latin typeface="+mj-lt"/>
+            </a:endParaRPr>
           </a:p>
           <a:p>
             <a:pPr marL="0" indent="0">
               <a:buNone/>
             </a:pPr>
             <a:r>
-              <a:rPr lang="en-US" dirty="0"/>
-              <a:t>Speakers: Steve Smyth, Open Site Plan; George Percivall, </a:t>
+              <a:rPr lang="en-US" dirty="0">
+                <a:latin typeface="+mj-lt"/>
+              </a:rPr>
+              <a:t>By referencing </a:t>
             </a:r>
             <a:r>
-              <a:rPr lang="en-US" dirty="0" err="1"/>
-              <a:t>GeoRoundtable</a:t>
+              <a:rPr lang="en-US" dirty="0" err="1">
+                <a:latin typeface="+mj-lt"/>
+              </a:rPr>
+              <a:t>GeoPose</a:t>
             </a:r>
             <a:r>
-              <a:rPr lang="en-US" dirty="0"/>
-              <a:t>/Spatial Web Foundation/IEEE; Alfred Tom, OMA3; Johannes Behr, Web3D Consortium/</a:t>
-            </a:r>
-            <a:r>
-              <a:rPr lang="en-US" dirty="0" err="1"/>
-              <a:t>Threedy</a:t>
-            </a:r>
-            <a:endParaRPr lang="en-US" dirty="0"/>
-          </a:p>
-          <a:p>
-            <a:pPr marL="0" indent="0">
-              <a:buNone/>
-            </a:pPr>
-            <a:endParaRPr lang="en-US" dirty="0"/>
-          </a:p>
-          <a:p>
-            <a:pPr marL="0" indent="0">
-              <a:buNone/>
-            </a:pPr>
-            <a:r>
-              <a:rPr lang="en-US" dirty="0" err="1"/>
-              <a:t>glTF</a:t>
-            </a:r>
-            <a:r>
-              <a:rPr lang="en-US" dirty="0"/>
-              <a:t> 5 slides</a:t>
+              <a:rPr lang="en-US" dirty="0">
+                <a:latin typeface="+mj-lt"/>
+              </a:rPr>
+              <a:t> in a normative manner, other standards benefit from the well-defined framework of components.</a:t>
             </a:r>
           </a:p>
         </p:txBody>
@@ -6284,12 +6269,46 @@
           <a:lstStyle/>
           <a:p>
             <a:r>
+              <a:rPr lang="en-US" dirty="0" err="1"/>
+              <a:t>GeoPose</a:t>
+            </a:r>
+            <a:r>
               <a:rPr lang="en-US" dirty="0"/>
-              <a:t>&lt;Presentation&gt;</a:t>
+              <a:t> in Other Standards</a:t>
             </a:r>
           </a:p>
         </p:txBody>
       </p:sp>
+      <p:pic>
+        <p:nvPicPr>
+          <p:cNvPr id="5" name="Picture 4">
+            <a:extLst>
+              <a:ext uri="{FF2B5EF4-FFF2-40B4-BE49-F238E27FC236}">
+                <a16:creationId xmlns:a16="http://schemas.microsoft.com/office/drawing/2014/main" id="{74DE0CE1-4DFC-29BA-3C07-97DBDE747F4D}"/>
+              </a:ext>
+            </a:extLst>
+          </p:cNvPr>
+          <p:cNvPicPr>
+            <a:picLocks noChangeAspect="1"/>
+          </p:cNvPicPr>
+          <p:nvPr/>
+        </p:nvPicPr>
+        <p:blipFill>
+          <a:blip r:embed="rId2"/>
+          <a:stretch>
+            <a:fillRect/>
+          </a:stretch>
+        </p:blipFill>
+        <p:spPr>
+          <a:xfrm>
+            <a:off x="10439400" y="1333500"/>
+            <a:ext cx="6246026" cy="6720408"/>
+          </a:xfrm>
+          <a:prstGeom prst="rect">
+            <a:avLst/>
+          </a:prstGeom>
+        </p:spPr>
+      </p:pic>
     </p:spTree>
     <p:extLst>
       <p:ext uri="{BB962C8B-B14F-4D97-AF65-F5344CB8AC3E}">
@@ -6355,7 +6374,195 @@
             <a:pPr marL="0" indent="0">
               <a:buNone/>
             </a:pPr>
-            <a:endParaRPr lang="en-US" dirty="0"/>
+            <a:r>
+              <a:rPr lang="en-US" sz="2400" dirty="0"/>
+              <a:t>Alfred Tom, OMA3; [IWPS]</a:t>
+            </a:r>
+          </a:p>
+          <a:p>
+            <a:pPr marL="0" indent="0">
+              <a:buNone/>
+            </a:pPr>
+            <a:endParaRPr lang="en-US" sz="2400" dirty="0"/>
+          </a:p>
+          <a:p>
+            <a:pPr marL="0" indent="0">
+              <a:buNone/>
+            </a:pPr>
+            <a:endParaRPr lang="en-US" sz="2400" dirty="0"/>
+          </a:p>
+          <a:p>
+            <a:r>
+              <a:rPr lang="en-US" sz="2400" dirty="0"/>
+              <a:t>George Percivall, Spatial Web Foundation, percivall@ieee.org, On-site</a:t>
+            </a:r>
+          </a:p>
+          <a:p>
+            <a:pPr lvl="1"/>
+            <a:r>
+              <a:rPr lang="en-US" sz="2200" dirty="0"/>
+              <a:t>How the Spatial Web uses OGC </a:t>
+            </a:r>
+            <a:r>
+              <a:rPr lang="en-US" sz="2200" dirty="0" err="1"/>
+              <a:t>GeoPose</a:t>
+            </a:r>
+            <a:endParaRPr lang="en-US" sz="2200" dirty="0"/>
+          </a:p>
+          <a:p>
+            <a:pPr lvl="1"/>
+            <a:r>
+              <a:rPr lang="en-US" sz="2200" dirty="0"/>
+              <a:t>The Hyperspace Modeling Language (HSML) uses </a:t>
+            </a:r>
+            <a:r>
+              <a:rPr lang="en-US" sz="2200" dirty="0" err="1"/>
+              <a:t>GeoPose</a:t>
+            </a:r>
+            <a:r>
+              <a:rPr lang="en-US" sz="2200" dirty="0"/>
+              <a:t> to place and orient entities in spatial domains as required by the Spatial Web standard (IEEE Std 2874-2025)</a:t>
+            </a:r>
+          </a:p>
+          <a:p>
+            <a:pPr marL="0" indent="0">
+              <a:buNone/>
+            </a:pPr>
+            <a:endParaRPr lang="en-US" sz="2400" dirty="0"/>
+          </a:p>
+          <a:p>
+            <a:r>
+              <a:rPr lang="en-US" sz="2400" dirty="0"/>
+              <a:t>Steve Smyth, OGC [Co-Chair </a:t>
+            </a:r>
+            <a:r>
+              <a:rPr lang="en-US" sz="2400" dirty="0" err="1"/>
+              <a:t>GeoPose</a:t>
+            </a:r>
+            <a:r>
+              <a:rPr lang="en-US" sz="2400" dirty="0"/>
+              <a:t> and </a:t>
+            </a:r>
+            <a:r>
+              <a:rPr lang="en-US" sz="2400" dirty="0" err="1"/>
+              <a:t>CityGML</a:t>
+            </a:r>
+            <a:r>
+              <a:rPr lang="en-US" sz="2400" dirty="0"/>
+              <a:t> SWGs], steve@opensiteplan.org, On-site.</a:t>
+            </a:r>
+          </a:p>
+          <a:p>
+            <a:pPr lvl="1"/>
+            <a:r>
+              <a:rPr lang="en-US" sz="2200" dirty="0"/>
+              <a:t>A Khronos </a:t>
+            </a:r>
+            <a:r>
+              <a:rPr lang="en-US" sz="2200" dirty="0" err="1"/>
+              <a:t>glTF</a:t>
+            </a:r>
+            <a:r>
+              <a:rPr lang="en-US" sz="2200" dirty="0"/>
+              <a:t> 2 Extension to </a:t>
+            </a:r>
+            <a:r>
+              <a:rPr lang="en-US" sz="2200" dirty="0" err="1"/>
+              <a:t>GeoLocate</a:t>
+            </a:r>
+            <a:r>
+              <a:rPr lang="en-US" sz="2200" dirty="0"/>
+              <a:t>, Orient, and Bound </a:t>
+            </a:r>
+            <a:r>
+              <a:rPr lang="en-US" sz="2200" dirty="0" err="1"/>
+              <a:t>glTF</a:t>
+            </a:r>
+            <a:r>
+              <a:rPr lang="en-US" sz="2200" dirty="0"/>
+              <a:t> Scenes</a:t>
+            </a:r>
+          </a:p>
+          <a:p>
+            <a:pPr lvl="1"/>
+            <a:r>
+              <a:rPr lang="en-US" sz="2200" dirty="0"/>
+              <a:t>Adding a small data object to a </a:t>
+            </a:r>
+            <a:r>
+              <a:rPr lang="en-US" sz="2200" dirty="0" err="1"/>
+              <a:t>glTF</a:t>
+            </a:r>
+            <a:r>
+              <a:rPr lang="en-US" sz="2200" dirty="0"/>
+              <a:t> scene enables collections of </a:t>
+            </a:r>
+            <a:r>
+              <a:rPr lang="en-US" sz="2200" dirty="0" err="1"/>
+              <a:t>glTF</a:t>
+            </a:r>
+            <a:r>
+              <a:rPr lang="en-US" sz="2200" dirty="0"/>
+              <a:t> Scenes to be merged in a single </a:t>
+            </a:r>
+            <a:r>
+              <a:rPr lang="en-US" sz="2200" dirty="0" err="1"/>
+              <a:t>Eath</a:t>
+            </a:r>
+            <a:r>
+              <a:rPr lang="en-US" sz="2200" dirty="0"/>
+              <a:t> reference frame.</a:t>
+            </a:r>
+          </a:p>
+          <a:p>
+            <a:pPr marL="0" indent="0">
+              <a:buNone/>
+            </a:pPr>
+            <a:endParaRPr lang="en-US" sz="2400" dirty="0"/>
+          </a:p>
+          <a:p>
+            <a:r>
+              <a:rPr lang="en-US" sz="2400" dirty="0"/>
+              <a:t>Johannes Behr, Metaverse Standard Forum, 3D Web Interoperability Co-Chair, johannes.behr@threedy.io, REMOTE,  </a:t>
+            </a:r>
+          </a:p>
+          <a:p>
+            <a:pPr lvl="1"/>
+            <a:r>
+              <a:rPr lang="en-US" sz="2200" dirty="0"/>
+              <a:t>A Web-of-Worlds API extension for exposing geographical poses in worlds and assets. </a:t>
+            </a:r>
+          </a:p>
+          <a:p>
+            <a:pPr lvl="1"/>
+            <a:r>
+              <a:rPr lang="en-US" sz="2200" dirty="0"/>
+              <a:t>A new schema for providing </a:t>
+            </a:r>
+            <a:r>
+              <a:rPr lang="en-US" sz="2200" dirty="0" err="1"/>
+              <a:t>geoPose</a:t>
+            </a:r>
+            <a:r>
+              <a:rPr lang="en-US" sz="2200" dirty="0"/>
+              <a:t> JSON data in </a:t>
+            </a:r>
+            <a:r>
+              <a:rPr lang="en-US" sz="2200" dirty="0" err="1"/>
+              <a:t>OpenSpatialWorld</a:t>
+            </a:r>
+            <a:r>
+              <a:rPr lang="en-US" sz="2200" dirty="0"/>
+              <a:t> and </a:t>
+            </a:r>
+            <a:r>
+              <a:rPr lang="en-US" sz="2200" dirty="0" err="1"/>
+              <a:t>OpenSpatialAsset</a:t>
+            </a:r>
+            <a:r>
+              <a:rPr lang="en-US" sz="2200" dirty="0"/>
+              <a:t> endpoints.</a:t>
+            </a:r>
           </a:p>
         </p:txBody>
       </p:sp>
@@ -6382,15 +6589,7 @@
           <a:p>
             <a:r>
               <a:rPr lang="en-US" dirty="0"/>
-              <a:t>&lt;Presentation </a:t>
-            </a:r>
-            <a:r>
-              <a:rPr lang="en-US" dirty="0" err="1"/>
-              <a:t>Wrapup</a:t>
-            </a:r>
-            <a:r>
-              <a:rPr lang="en-US" dirty="0"/>
-              <a:t>&gt;</a:t>
+              <a:t>Presenters</a:t>
             </a:r>
           </a:p>
         </p:txBody>
@@ -6487,7 +6686,7 @@
           <a:p>
             <a:r>
               <a:rPr lang="en-US" dirty="0"/>
-              <a:t>&lt;Questions&gt;</a:t>
+              <a:t>Questions/Comments/Suggestions?</a:t>
             </a:r>
           </a:p>
         </p:txBody>
@@ -7736,18 +7935,18 @@
 </file>
 
 <file path=customXml/item1.xml><?xml version="1.0" encoding="utf-8"?>
+<p:properties xmlns:p="http://schemas.microsoft.com/office/2006/metadata/properties" xmlns:xsi="http://www.w3.org/2001/XMLSchema-instance" xmlns:pc="http://schemas.microsoft.com/office/infopath/2007/PartnerControls">
+  <documentManagement/>
+</p:properties>
+</file>
+
+<file path=customXml/item2.xml><?xml version="1.0" encoding="utf-8"?>
 <?mso-contentType ?>
 <FormTemplates xmlns="http://schemas.microsoft.com/sharepoint/v3/contenttype/forms">
   <Display>DocumentLibraryForm</Display>
   <Edit>DocumentLibraryForm</Edit>
   <New>DocumentLibraryForm</New>
 </FormTemplates>
-</file>
-
-<file path=customXml/item2.xml><?xml version="1.0" encoding="utf-8"?>
-<p:properties xmlns:p="http://schemas.microsoft.com/office/2006/metadata/properties" xmlns:xsi="http://www.w3.org/2001/XMLSchema-instance" xmlns:pc="http://schemas.microsoft.com/office/infopath/2007/PartnerControls">
-  <documentManagement/>
-</p:properties>
 </file>
 
 <file path=customXml/item3.xml><?xml version="1.0" encoding="utf-8"?>
@@ -7903,14 +8102,6 @@
 </file>
 
 <file path=customXml/itemProps1.xml><?xml version="1.0" encoding="utf-8"?>
-<ds:datastoreItem xmlns:ds="http://schemas.openxmlformats.org/officeDocument/2006/customXml" ds:itemID="{A028D80A-D8F1-4E9F-96FE-EDED6B38411B}">
-  <ds:schemaRefs>
-    <ds:schemaRef ds:uri="http://schemas.microsoft.com/sharepoint/v3/contenttype/forms"/>
-  </ds:schemaRefs>
-</ds:datastoreItem>
-</file>
-
-<file path=customXml/itemProps2.xml><?xml version="1.0" encoding="utf-8"?>
 <ds:datastoreItem xmlns:ds="http://schemas.openxmlformats.org/officeDocument/2006/customXml" ds:itemID="{4B83FC41-384C-4416-9A4E-6653321403C3}">
   <ds:schemaRefs>
     <ds:schemaRef ds:uri="http://schemas.openxmlformats.org/package/2006/metadata/core-properties"/>
@@ -7922,6 +8113,14 @@
     <ds:schemaRef ds:uri="c9d48118-3257-49e8-b197-f28d09ea93e0"/>
     <ds:schemaRef ds:uri="http://schemas.microsoft.com/office/2006/metadata/properties"/>
     <ds:schemaRef ds:uri="http://www.w3.org/XML/1998/namespace"/>
+  </ds:schemaRefs>
+</ds:datastoreItem>
+</file>
+
+<file path=customXml/itemProps2.xml><?xml version="1.0" encoding="utf-8"?>
+<ds:datastoreItem xmlns:ds="http://schemas.openxmlformats.org/officeDocument/2006/customXml" ds:itemID="{A028D80A-D8F1-4E9F-96FE-EDED6B38411B}">
+  <ds:schemaRefs>
+    <ds:schemaRef ds:uri="http://schemas.microsoft.com/sharepoint/v3/contenttype/forms"/>
   </ds:schemaRefs>
 </ds:datastoreItem>
 </file>

--- a/Presentations/2025_Summit/2025_Oct_27_Summit_Standards_Friend.pptx
+++ b/Presentations/2025_Summit/2025_Oct_27_Summit_Standards_Friend.pptx
@@ -3247,7 +3247,7 @@
           <a:p>
             <a:fld id="{8028D1E4-4BBA-6F41-9D9B-7C498DFA1119}" type="datetimeFigureOut">
               <a:rPr lang="en-US" smtClean="0"/>
-              <a:t>10/22/2025</a:t>
+              <a:t>10/23/2025</a:t>
             </a:fld>
             <a:endParaRPr lang="en-US"/>
           </a:p>
@@ -3424,7 +3424,7 @@
           <a:p>
             <a:fld id="{761ABE01-8AD2-744F-9651-CCC9DC857332}" type="datetimeFigureOut">
               <a:rPr lang="en-US" smtClean="0"/>
-              <a:t>10/22/2025</a:t>
+              <a:t>10/23/2025</a:t>
             </a:fld>
             <a:endParaRPr lang="en-US"/>
           </a:p>
@@ -5450,7 +5450,7 @@
             <a:fld id="{1D8BD707-D9CF-40AE-B4C6-C98DA3205C09}" type="datetimeFigureOut">
               <a:rPr lang="en-US" smtClean="0"/>
               <a:pPr/>
-              <a:t>10/22/2025</a:t>
+              <a:t>10/23/2025</a:t>
             </a:fld>
             <a:endParaRPr lang="en-US" dirty="0"/>
           </a:p>
@@ -6371,25 +6371,68 @@
           <a:bodyPr/>
           <a:lstStyle/>
           <a:p>
-            <a:pPr marL="0" indent="0">
-              <a:buNone/>
-            </a:pPr>
             <a:r>
               <a:rPr lang="en-US" sz="2400" dirty="0"/>
-              <a:t>Alfred Tom, OMA3; [IWPS]</a:t>
+              <a:t>Alfred Tom, OMA3, </a:t>
+            </a:r>
+            <a:r>
+              <a:rPr lang="en-US" sz="2400" dirty="0">
+                <a:hlinkClick r:id="rId2">
+                  <a:extLst>
+                    <a:ext uri="{A12FA001-AC4F-418D-AE19-62706E023703}">
+                      <ahyp:hlinkClr xmlns:ahyp="http://schemas.microsoft.com/office/drawing/2018/hyperlinkcolor" val="tx"/>
+                    </a:ext>
+                  </a:extLst>
+                </a:hlinkClick>
+              </a:rPr>
+              <a:t>atom@pma3.org</a:t>
+            </a:r>
+            <a:r>
+              <a:rPr lang="en-US" sz="2400" dirty="0"/>
+              <a:t>, Remote/Grig Bilham, </a:t>
+            </a:r>
+            <a:r>
+              <a:rPr lang="en-US" sz="2400" dirty="0" err="1"/>
+              <a:t>Sumset</a:t>
+            </a:r>
+            <a:r>
+              <a:rPr lang="en-US" sz="2400" dirty="0"/>
+              <a:t>, </a:t>
+            </a:r>
+            <a:r>
+              <a:rPr lang="en-US" sz="2400" dirty="0" err="1"/>
+              <a:t>grig@sumset.tech</a:t>
+            </a:r>
+            <a:r>
+              <a:rPr lang="en-US" sz="2400" dirty="0"/>
+              <a:t>, On-site</a:t>
             </a:r>
           </a:p>
           <a:p>
-            <a:pPr marL="0" indent="0">
-              <a:buNone/>
-            </a:pPr>
-            <a:endParaRPr lang="en-US" sz="2400" dirty="0"/>
+            <a:pPr lvl="1"/>
+            <a:r>
+              <a:rPr lang="en-US" sz="2200" dirty="0"/>
+              <a:t>The Inter-World </a:t>
+            </a:r>
+            <a:r>
+              <a:rPr lang="en-US" sz="2200" dirty="0" err="1"/>
+              <a:t>Portaling</a:t>
+            </a:r>
+            <a:r>
+              <a:rPr lang="en-US" sz="2200" dirty="0"/>
+              <a:t> System (IWPS).</a:t>
+            </a:r>
           </a:p>
           <a:p>
-            <a:pPr marL="0" indent="0">
-              <a:buNone/>
-            </a:pPr>
-            <a:endParaRPr lang="en-US" sz="2400" dirty="0"/>
+            <a:pPr lvl="1"/>
+            <a:r>
+              <a:rPr lang="en-US" sz="2200" dirty="0"/>
+              <a:t>IWPS supports seamless movement between different virtual worlds and applications in the metaverse.</a:t>
+            </a:r>
+          </a:p>
+          <a:p>
+            <a:pPr lvl="1"/>
+            <a:endParaRPr lang="en-US" sz="2200" dirty="0"/>
           </a:p>
           <a:p>
             <a:r>
@@ -7935,18 +7978,18 @@
 </file>
 
 <file path=customXml/item1.xml><?xml version="1.0" encoding="utf-8"?>
-<p:properties xmlns:p="http://schemas.microsoft.com/office/2006/metadata/properties" xmlns:xsi="http://www.w3.org/2001/XMLSchema-instance" xmlns:pc="http://schemas.microsoft.com/office/infopath/2007/PartnerControls">
-  <documentManagement/>
-</p:properties>
-</file>
-
-<file path=customXml/item2.xml><?xml version="1.0" encoding="utf-8"?>
 <?mso-contentType ?>
 <FormTemplates xmlns="http://schemas.microsoft.com/sharepoint/v3/contenttype/forms">
   <Display>DocumentLibraryForm</Display>
   <Edit>DocumentLibraryForm</Edit>
   <New>DocumentLibraryForm</New>
 </FormTemplates>
+</file>
+
+<file path=customXml/item2.xml><?xml version="1.0" encoding="utf-8"?>
+<p:properties xmlns:p="http://schemas.microsoft.com/office/2006/metadata/properties" xmlns:xsi="http://www.w3.org/2001/XMLSchema-instance" xmlns:pc="http://schemas.microsoft.com/office/infopath/2007/PartnerControls">
+  <documentManagement/>
+</p:properties>
 </file>
 
 <file path=customXml/item3.xml><?xml version="1.0" encoding="utf-8"?>
@@ -8102,6 +8145,14 @@
 </file>
 
 <file path=customXml/itemProps1.xml><?xml version="1.0" encoding="utf-8"?>
+<ds:datastoreItem xmlns:ds="http://schemas.openxmlformats.org/officeDocument/2006/customXml" ds:itemID="{A028D80A-D8F1-4E9F-96FE-EDED6B38411B}">
+  <ds:schemaRefs>
+    <ds:schemaRef ds:uri="http://schemas.microsoft.com/sharepoint/v3/contenttype/forms"/>
+  </ds:schemaRefs>
+</ds:datastoreItem>
+</file>
+
+<file path=customXml/itemProps2.xml><?xml version="1.0" encoding="utf-8"?>
 <ds:datastoreItem xmlns:ds="http://schemas.openxmlformats.org/officeDocument/2006/customXml" ds:itemID="{4B83FC41-384C-4416-9A4E-6653321403C3}">
   <ds:schemaRefs>
     <ds:schemaRef ds:uri="http://schemas.openxmlformats.org/package/2006/metadata/core-properties"/>
@@ -8113,14 +8164,6 @@
     <ds:schemaRef ds:uri="c9d48118-3257-49e8-b197-f28d09ea93e0"/>
     <ds:schemaRef ds:uri="http://schemas.microsoft.com/office/2006/metadata/properties"/>
     <ds:schemaRef ds:uri="http://www.w3.org/XML/1998/namespace"/>
-  </ds:schemaRefs>
-</ds:datastoreItem>
-</file>
-
-<file path=customXml/itemProps2.xml><?xml version="1.0" encoding="utf-8"?>
-<ds:datastoreItem xmlns:ds="http://schemas.openxmlformats.org/officeDocument/2006/customXml" ds:itemID="{A028D80A-D8F1-4E9F-96FE-EDED6B38411B}">
-  <ds:schemaRefs>
-    <ds:schemaRef ds:uri="http://schemas.microsoft.com/sharepoint/v3/contenttype/forms"/>
   </ds:schemaRefs>
 </ds:datastoreItem>
 </file>
